--- a/Documentation/Microsoft.pptx
+++ b/Documentation/Microsoft.pptx
@@ -110,6 +110,11 @@
       </a:defRPr>
     </a:lvl9pPr>
   </p:defaultTextStyle>
+  <p:extLst>
+    <p:ext uri="{EFAFB233-063F-42B5-8137-9DF3F51BA10A}">
+      <p15:sldGuideLst xmlns:p15="http://schemas.microsoft.com/office/powerpoint/2012/main"/>
+    </p:ext>
+  </p:extLst>
 </p:presentation>
 </file>
 
@@ -10333,7 +10338,23 @@
                   <a:schemeClr val="tx1"/>
                 </a:solidFill>
               </a:rPr>
-              <a:t>, along with strong macro-F1, precision, and recall scores. This model has the potential to significantly enhance the efficiency of Security Operation Centers by reducing false positives and providing SOC analysts with actionable insights for triaging incidents.</a:t>
+              <a:t>, along with strong accuracy score, precision, </a:t>
+            </a:r>
+            <a:r>
+              <a:rPr lang="en-US">
+                <a:solidFill>
+                  <a:schemeClr val="tx1"/>
+                </a:solidFill>
+              </a:rPr>
+              <a:t>recall score </a:t>
+            </a:r>
+            <a:r>
+              <a:rPr lang="en-US" dirty="0">
+                <a:solidFill>
+                  <a:schemeClr val="tx1"/>
+                </a:solidFill>
+              </a:rPr>
+              <a:t>and f1_score. This model has the potential to significantly enhance the efficiency of Security Operation Centers by reducing false positives and providing SOC analysts with actionable insights for triaging incidents.</a:t>
             </a:r>
             <a:endParaRPr lang="en-IN" dirty="0">
               <a:solidFill>

--- a/Documentation/Microsoft.pptx
+++ b/Documentation/Microsoft.pptx
@@ -3490,7 +3490,7 @@
           <a:p>
             <a:fld id="{5DBDDF98-C922-483F-97E9-3E76B0201B42}" type="datetimeFigureOut">
               <a:rPr lang="en-US" smtClean="0"/>
-              <a:t>10/9/2024</a:t>
+              <a:t>10/16/2024</a:t>
             </a:fld>
             <a:endParaRPr lang="en-US"/>
           </a:p>
@@ -3927,7 +3927,7 @@
             <a:fld id="{5DBDDF98-C922-483F-97E9-3E76B0201B42}" type="datetimeFigureOut">
               <a:rPr lang="en-US" smtClean="0"/>
               <a:pPr/>
-              <a:t>10/9/2024</a:t>
+              <a:t>10/16/2024</a:t>
             </a:fld>
             <a:endParaRPr lang="en-US"/>
           </a:p>
@@ -4179,7 +4179,7 @@
             <a:fld id="{5DBDDF98-C922-483F-97E9-3E76B0201B42}" type="datetimeFigureOut">
               <a:rPr lang="en-US" smtClean="0"/>
               <a:pPr/>
-              <a:t>10/9/2024</a:t>
+              <a:t>10/16/2024</a:t>
             </a:fld>
             <a:endParaRPr lang="en-US"/>
           </a:p>
@@ -4489,7 +4489,7 @@
             <a:fld id="{5DBDDF98-C922-483F-97E9-3E76B0201B42}" type="datetimeFigureOut">
               <a:rPr lang="en-US" smtClean="0"/>
               <a:pPr/>
-              <a:t>10/9/2024</a:t>
+              <a:t>10/16/2024</a:t>
             </a:fld>
             <a:endParaRPr lang="en-US"/>
           </a:p>
@@ -4809,7 +4809,7 @@
             <a:fld id="{5DBDDF98-C922-483F-97E9-3E76B0201B42}" type="datetimeFigureOut">
               <a:rPr lang="en-US" smtClean="0"/>
               <a:pPr/>
-              <a:t>10/9/2024</a:t>
+              <a:t>10/16/2024</a:t>
             </a:fld>
             <a:endParaRPr lang="en-US"/>
           </a:p>
@@ -5113,7 +5113,7 @@
             <a:fld id="{5DBDDF98-C922-483F-97E9-3E76B0201B42}" type="datetimeFigureOut">
               <a:rPr lang="en-US" smtClean="0"/>
               <a:pPr/>
-              <a:t>10/9/2024</a:t>
+              <a:t>10/16/2024</a:t>
             </a:fld>
             <a:endParaRPr lang="en-US"/>
           </a:p>
@@ -5482,7 +5482,7 @@
             <a:fld id="{5DBDDF98-C922-483F-97E9-3E76B0201B42}" type="datetimeFigureOut">
               <a:rPr lang="en-US" smtClean="0"/>
               <a:pPr/>
-              <a:t>10/9/2024</a:t>
+              <a:t>10/16/2024</a:t>
             </a:fld>
             <a:endParaRPr lang="en-US"/>
           </a:p>
@@ -5657,7 +5657,7 @@
           <a:p>
             <a:fld id="{5DBDDF98-C922-483F-97E9-3E76B0201B42}" type="datetimeFigureOut">
               <a:rPr lang="en-US" smtClean="0"/>
-              <a:t>10/9/2024</a:t>
+              <a:t>10/16/2024</a:t>
             </a:fld>
             <a:endParaRPr lang="en-US"/>
           </a:p>
@@ -5837,7 +5837,7 @@
           <a:p>
             <a:fld id="{5DBDDF98-C922-483F-97E9-3E76B0201B42}" type="datetimeFigureOut">
               <a:rPr lang="en-US" smtClean="0"/>
-              <a:t>10/9/2024</a:t>
+              <a:t>10/16/2024</a:t>
             </a:fld>
             <a:endParaRPr lang="en-US"/>
           </a:p>
@@ -6007,7 +6007,7 @@
           <a:p>
             <a:fld id="{5DBDDF98-C922-483F-97E9-3E76B0201B42}" type="datetimeFigureOut">
               <a:rPr lang="en-US" smtClean="0"/>
-              <a:t>10/9/2024</a:t>
+              <a:t>10/16/2024</a:t>
             </a:fld>
             <a:endParaRPr lang="en-US"/>
           </a:p>
@@ -6257,7 +6257,7 @@
           <a:p>
             <a:fld id="{5DBDDF98-C922-483F-97E9-3E76B0201B42}" type="datetimeFigureOut">
               <a:rPr lang="en-US" smtClean="0"/>
-              <a:t>10/9/2024</a:t>
+              <a:t>10/16/2024</a:t>
             </a:fld>
             <a:endParaRPr lang="en-US"/>
           </a:p>
@@ -6493,7 +6493,7 @@
           <a:p>
             <a:fld id="{5DBDDF98-C922-483F-97E9-3E76B0201B42}" type="datetimeFigureOut">
               <a:rPr lang="en-US" smtClean="0"/>
-              <a:t>10/9/2024</a:t>
+              <a:t>10/16/2024</a:t>
             </a:fld>
             <a:endParaRPr lang="en-US"/>
           </a:p>
@@ -6875,7 +6875,7 @@
           <a:p>
             <a:fld id="{5DBDDF98-C922-483F-97E9-3E76B0201B42}" type="datetimeFigureOut">
               <a:rPr lang="en-US" smtClean="0"/>
-              <a:t>10/9/2024</a:t>
+              <a:t>10/16/2024</a:t>
             </a:fld>
             <a:endParaRPr lang="en-US"/>
           </a:p>
@@ -6993,7 +6993,7 @@
           <a:p>
             <a:fld id="{5DBDDF98-C922-483F-97E9-3E76B0201B42}" type="datetimeFigureOut">
               <a:rPr lang="en-US" smtClean="0"/>
-              <a:t>10/9/2024</a:t>
+              <a:t>10/16/2024</a:t>
             </a:fld>
             <a:endParaRPr lang="en-US"/>
           </a:p>
@@ -7088,7 +7088,7 @@
           <a:p>
             <a:fld id="{5DBDDF98-C922-483F-97E9-3E76B0201B42}" type="datetimeFigureOut">
               <a:rPr lang="en-US" smtClean="0"/>
-              <a:t>10/9/2024</a:t>
+              <a:t>10/16/2024</a:t>
             </a:fld>
             <a:endParaRPr lang="en-US"/>
           </a:p>
@@ -7343,7 +7343,7 @@
           <a:p>
             <a:fld id="{5DBDDF98-C922-483F-97E9-3E76B0201B42}" type="datetimeFigureOut">
               <a:rPr lang="en-US" smtClean="0"/>
-              <a:t>10/9/2024</a:t>
+              <a:t>10/16/2024</a:t>
             </a:fld>
             <a:endParaRPr lang="en-US"/>
           </a:p>
@@ -7626,7 +7626,7 @@
           <a:p>
             <a:fld id="{5DBDDF98-C922-483F-97E9-3E76B0201B42}" type="datetimeFigureOut">
               <a:rPr lang="en-US" smtClean="0"/>
-              <a:t>10/9/2024</a:t>
+              <a:t>10/16/2024</a:t>
             </a:fld>
             <a:endParaRPr lang="en-US"/>
           </a:p>
@@ -8033,7 +8033,7 @@
             <a:fld id="{5DBDDF98-C922-483F-97E9-3E76B0201B42}" type="datetimeFigureOut">
               <a:rPr lang="en-US" smtClean="0"/>
               <a:pPr/>
-              <a:t>10/9/2024</a:t>
+              <a:t>10/16/2024</a:t>
             </a:fld>
             <a:endParaRPr lang="en-US"/>
           </a:p>
@@ -9222,8 +9222,8 @@
         </p:nvSpPr>
         <p:spPr bwMode="auto">
           <a:xfrm>
-            <a:off x="1288741" y="1208518"/>
-            <a:ext cx="9890535" cy="4973606"/>
+            <a:off x="1288741" y="977686"/>
+            <a:ext cx="9890535" cy="5435270"/>
           </a:xfrm>
           <a:prstGeom prst="rect">
             <a:avLst/>
@@ -9287,13 +9287,13 @@
               <a:buChar char="•"/>
             </a:pPr>
             <a:r>
-              <a:rPr lang="en-US" altLang="en-US" b="1" dirty="0">
+              <a:rPr lang="en-US" altLang="en-US" b="1">
                 <a:highlight>
                   <a:srgbClr val="FFFF00"/>
                 </a:highlight>
                 <a:latin typeface="Century Gothic (Body)"/>
               </a:rPr>
-              <a:t>Label Encoding</a:t>
+              <a:t>Encoding</a:t>
             </a:r>
             <a:r>
               <a:rPr lang="en-US" altLang="en-US" dirty="0">
@@ -9321,6 +9321,24 @@
                 <a:latin typeface="Century Gothic (Body)"/>
               </a:rPr>
               <a:t>label-encoded</a:t>
+            </a:r>
+            <a:r>
+              <a:rPr lang="en-US" altLang="en-US" dirty="0">
+                <a:solidFill>
+                  <a:schemeClr val="tx1"/>
+                </a:solidFill>
+                <a:latin typeface="Century Gothic (Body)"/>
+              </a:rPr>
+              <a:t>, and other columns with </a:t>
+            </a:r>
+            <a:r>
+              <a:rPr lang="en-US" altLang="en-US" b="1" dirty="0">
+                <a:solidFill>
+                  <a:schemeClr val="bg1"/>
+                </a:solidFill>
+                <a:latin typeface="Century Gothic (Body)"/>
+              </a:rPr>
+              <a:t>one-hot encoded</a:t>
             </a:r>
             <a:r>
               <a:rPr lang="en-US" altLang="en-US" dirty="0">
